--- a/핵심개념.pptx
+++ b/핵심개념.pptx
@@ -5,11 +5,12 @@
     <p:sldMasterId id="2147483648" r:id="rId1"/>
   </p:sldMasterIdLst>
   <p:sldIdLst>
-    <p:sldId id="256" r:id="rId2"/>
-    <p:sldId id="257" r:id="rId3"/>
-    <p:sldId id="258" r:id="rId4"/>
-    <p:sldId id="259" r:id="rId5"/>
-    <p:sldId id="260" r:id="rId6"/>
+    <p:sldId id="258" r:id="rId2"/>
+    <p:sldId id="261" r:id="rId3"/>
+    <p:sldId id="260" r:id="rId4"/>
+    <p:sldId id="257" r:id="rId5"/>
+    <p:sldId id="259" r:id="rId6"/>
+    <p:sldId id="256" r:id="rId7"/>
   </p:sldIdLst>
   <p:sldSz cx="12192000" cy="6858000"/>
   <p:notesSz cx="6858000" cy="9144000"/>
@@ -108,6 +109,11 @@
       </a:defRPr>
     </a:lvl9pPr>
   </p:defaultTextStyle>
+  <p:extLst>
+    <p:ext uri="{EFAFB233-063F-42B5-8137-9DF3F51BA10A}">
+      <p15:sldGuideLst xmlns:p15="http://schemas.microsoft.com/office/powerpoint/2012/main"/>
+    </p:ext>
+  </p:extLst>
 </p:presentation>
 </file>
 
@@ -2968,6 +2974,859 @@
           <a:chExt cx="0" cy="0"/>
         </a:xfrm>
       </p:grpSpPr>
+      <p:sp>
+        <p:nvSpPr>
+          <p:cNvPr id="4" name="직사각형 3"/>
+          <p:cNvSpPr/>
+          <p:nvPr/>
+        </p:nvSpPr>
+        <p:spPr>
+          <a:xfrm>
+            <a:off x="221029" y="213035"/>
+            <a:ext cx="952505" cy="369332"/>
+          </a:xfrm>
+          <a:prstGeom prst="rect">
+            <a:avLst/>
+          </a:prstGeom>
+        </p:spPr>
+        <p:txBody>
+          <a:bodyPr wrap="none">
+            <a:spAutoFit/>
+          </a:bodyPr>
+          <a:lstStyle/>
+          <a:p>
+            <a:r>
+              <a:rPr lang="en-US" altLang="ko-KR" b="1" i="0" dirty="0" smtClean="0">
+                <a:solidFill>
+                  <a:srgbClr val="304166"/>
+                </a:solidFill>
+                <a:effectLst/>
+                <a:latin typeface="-apple-system"/>
+              </a:rPr>
+              <a:t>CSV</a:t>
+            </a:r>
+            <a:r>
+              <a:rPr lang="ko-KR" altLang="en-US" b="1" i="0" dirty="0" smtClean="0">
+                <a:solidFill>
+                  <a:srgbClr val="304166"/>
+                </a:solidFill>
+                <a:effectLst/>
+                <a:latin typeface="-apple-system"/>
+              </a:rPr>
+              <a:t>란</a:t>
+            </a:r>
+            <a:r>
+              <a:rPr lang="en-US" altLang="ko-KR" b="1" i="0" dirty="0" smtClean="0">
+                <a:solidFill>
+                  <a:srgbClr val="304166"/>
+                </a:solidFill>
+                <a:effectLst/>
+                <a:latin typeface="-apple-system"/>
+              </a:rPr>
+              <a:t>?</a:t>
+            </a:r>
+            <a:endParaRPr lang="en-US" altLang="ko-KR" b="1" i="0" dirty="0">
+              <a:solidFill>
+                <a:srgbClr val="304166"/>
+              </a:solidFill>
+              <a:effectLst/>
+              <a:latin typeface="-apple-system"/>
+            </a:endParaRPr>
+          </a:p>
+        </p:txBody>
+      </p:sp>
+      <p:sp>
+        <p:nvSpPr>
+          <p:cNvPr id="7" name="TextBox 6"/>
+          <p:cNvSpPr txBox="1"/>
+          <p:nvPr/>
+        </p:nvSpPr>
+        <p:spPr>
+          <a:xfrm>
+            <a:off x="338203" y="701458"/>
+            <a:ext cx="10296394" cy="646331"/>
+          </a:xfrm>
+          <a:prstGeom prst="rect">
+            <a:avLst/>
+          </a:prstGeom>
+          <a:noFill/>
+        </p:spPr>
+        <p:txBody>
+          <a:bodyPr wrap="square" rtlCol="0">
+            <a:spAutoFit/>
+          </a:bodyPr>
+          <a:lstStyle/>
+          <a:p>
+            <a:r>
+              <a:rPr lang="en-US" altLang="ko-KR" dirty="0" smtClean="0"/>
+              <a:t>Csv</a:t>
+            </a:r>
+            <a:r>
+              <a:rPr lang="ko-KR" altLang="en-US" dirty="0" smtClean="0"/>
+              <a:t>란 </a:t>
+            </a:r>
+            <a:r>
+              <a:rPr lang="en-US" altLang="ko-KR" dirty="0" smtClean="0"/>
+              <a:t>comma-</a:t>
+            </a:r>
+            <a:r>
+              <a:rPr lang="en-US" altLang="ko-KR" dirty="0" err="1" smtClean="0"/>
+              <a:t>sparated</a:t>
+            </a:r>
+            <a:r>
+              <a:rPr lang="en-US" altLang="ko-KR" dirty="0" smtClean="0"/>
+              <a:t> values</a:t>
+            </a:r>
+            <a:r>
+              <a:rPr lang="ko-KR" altLang="en-US" dirty="0" smtClean="0"/>
+              <a:t>의 </a:t>
+            </a:r>
+            <a:r>
+              <a:rPr lang="ko-KR" altLang="en-US" dirty="0" err="1" smtClean="0"/>
+              <a:t>줄임말로</a:t>
+            </a:r>
+            <a:r>
+              <a:rPr lang="ko-KR" altLang="en-US" dirty="0" smtClean="0"/>
+              <a:t> 몇 가지 필드를 쉼표</a:t>
+            </a:r>
+            <a:r>
+              <a:rPr lang="en-US" altLang="ko-KR" dirty="0" smtClean="0"/>
+              <a:t>(,)</a:t>
+            </a:r>
+            <a:r>
+              <a:rPr lang="ko-KR" altLang="en-US" dirty="0" smtClean="0"/>
+              <a:t>로 구분한 텍스트 데이터 및 텍스트 파일입니다</a:t>
+            </a:r>
+            <a:r>
+              <a:rPr lang="en-US" altLang="ko-KR" dirty="0" smtClean="0"/>
+              <a:t>.</a:t>
+            </a:r>
+            <a:endParaRPr lang="ko-KR" altLang="en-US" dirty="0"/>
+          </a:p>
+        </p:txBody>
+      </p:sp>
+      <p:pic>
+        <p:nvPicPr>
+          <p:cNvPr id="8" name="그림 7"/>
+          <p:cNvPicPr>
+            <a:picLocks noChangeAspect="1"/>
+          </p:cNvPicPr>
+          <p:nvPr/>
+        </p:nvPicPr>
+        <p:blipFill>
+          <a:blip r:embed="rId2">
+            <a:extLst>
+              <a:ext uri="{28A0092B-C50C-407E-A947-70E740481C1C}">
+                <a14:useLocalDpi xmlns:a14="http://schemas.microsoft.com/office/drawing/2010/main" val="0"/>
+              </a:ext>
+            </a:extLst>
+          </a:blip>
+          <a:stretch>
+            <a:fillRect/>
+          </a:stretch>
+        </p:blipFill>
+        <p:spPr>
+          <a:xfrm>
+            <a:off x="221029" y="1466880"/>
+            <a:ext cx="8359300" cy="881527"/>
+          </a:xfrm>
+          <a:prstGeom prst="rect">
+            <a:avLst/>
+          </a:prstGeom>
+        </p:spPr>
+      </p:pic>
+      <p:pic>
+        <p:nvPicPr>
+          <p:cNvPr id="9" name="그림 8"/>
+          <p:cNvPicPr>
+            <a:picLocks noChangeAspect="1"/>
+          </p:cNvPicPr>
+          <p:nvPr/>
+        </p:nvPicPr>
+        <p:blipFill>
+          <a:blip r:embed="rId3">
+            <a:extLst>
+              <a:ext uri="{28A0092B-C50C-407E-A947-70E740481C1C}">
+                <a14:useLocalDpi xmlns:a14="http://schemas.microsoft.com/office/drawing/2010/main" val="0"/>
+              </a:ext>
+            </a:extLst>
+          </a:blip>
+          <a:stretch>
+            <a:fillRect/>
+          </a:stretch>
+        </p:blipFill>
+        <p:spPr>
+          <a:xfrm>
+            <a:off x="221029" y="2467498"/>
+            <a:ext cx="4037820" cy="1507453"/>
+          </a:xfrm>
+          <a:prstGeom prst="rect">
+            <a:avLst/>
+          </a:prstGeom>
+        </p:spPr>
+      </p:pic>
+    </p:spTree>
+    <p:extLst>
+      <p:ext uri="{BB962C8B-B14F-4D97-AF65-F5344CB8AC3E}">
+        <p14:creationId xmlns:p14="http://schemas.microsoft.com/office/powerpoint/2010/main" val="1925505730"/>
+      </p:ext>
+    </p:extLst>
+  </p:cSld>
+  <p:clrMapOvr>
+    <a:masterClrMapping/>
+  </p:clrMapOvr>
+  <p:timing>
+    <p:tnLst>
+      <p:par>
+        <p:cTn id="1" dur="indefinite" restart="never" nodeType="tmRoot"/>
+      </p:par>
+    </p:tnLst>
+  </p:timing>
+</p:sld>
+</file>
+
+<file path=ppt/slides/slide2.xml><?xml version="1.0" encoding="utf-8"?>
+<p:sld xmlns:a="http://schemas.openxmlformats.org/drawingml/2006/main" xmlns:r="http://schemas.openxmlformats.org/officeDocument/2006/relationships" xmlns:p="http://schemas.openxmlformats.org/presentationml/2006/main">
+  <p:cSld>
+    <p:spTree>
+      <p:nvGrpSpPr>
+        <p:cNvPr id="1" name=""/>
+        <p:cNvGrpSpPr/>
+        <p:nvPr/>
+      </p:nvGrpSpPr>
+      <p:grpSpPr>
+        <a:xfrm>
+          <a:off x="0" y="0"/>
+          <a:ext cx="0" cy="0"/>
+          <a:chOff x="0" y="0"/>
+          <a:chExt cx="0" cy="0"/>
+        </a:xfrm>
+      </p:grpSpPr>
+      <p:sp>
+        <p:nvSpPr>
+          <p:cNvPr id="3" name="TextBox 2"/>
+          <p:cNvSpPr txBox="1"/>
+          <p:nvPr/>
+        </p:nvSpPr>
+        <p:spPr>
+          <a:xfrm>
+            <a:off x="864524" y="706582"/>
+            <a:ext cx="4771505" cy="3139321"/>
+          </a:xfrm>
+          <a:prstGeom prst="rect">
+            <a:avLst/>
+          </a:prstGeom>
+          <a:noFill/>
+        </p:spPr>
+        <p:txBody>
+          <a:bodyPr wrap="square" rtlCol="0">
+            <a:spAutoFit/>
+          </a:bodyPr>
+          <a:lstStyle/>
+          <a:p>
+            <a:r>
+              <a:rPr lang="en-US" altLang="ko-KR" dirty="0" smtClean="0"/>
+              <a:t>CSV </a:t>
+            </a:r>
+            <a:r>
+              <a:rPr lang="ko-KR" altLang="en-US" dirty="0" smtClean="0"/>
+              <a:t>파일을 활용해서 데이터를 모으고 </a:t>
+            </a:r>
+            <a:r>
+              <a:rPr lang="en-US" altLang="ko-KR" dirty="0" smtClean="0"/>
+              <a:t>Python</a:t>
+            </a:r>
+            <a:r>
+              <a:rPr lang="ko-KR" altLang="en-US" dirty="0" smtClean="0"/>
+              <a:t>을 활용하여 데이터 정제 및 시각화</a:t>
+            </a:r>
+            <a:endParaRPr lang="en-US" altLang="ko-KR" dirty="0" smtClean="0"/>
+          </a:p>
+          <a:p>
+            <a:endParaRPr lang="en-US" altLang="ko-KR" dirty="0"/>
+          </a:p>
+          <a:p>
+            <a:r>
+              <a:rPr lang="ko-KR" altLang="en-US" dirty="0" smtClean="0"/>
+              <a:t>사용 데이터</a:t>
+            </a:r>
+            <a:endParaRPr lang="en-US" altLang="ko-KR" dirty="0" smtClean="0"/>
+          </a:p>
+          <a:p>
+            <a:r>
+              <a:rPr lang="ko-KR" altLang="en-US" dirty="0" smtClean="0"/>
+              <a:t>대구시 연령별 미혼자 수 </a:t>
+            </a:r>
+            <a:r>
+              <a:rPr lang="en-US" altLang="ko-KR" dirty="0" smtClean="0"/>
+              <a:t>– </a:t>
+            </a:r>
+            <a:r>
+              <a:rPr lang="ko-KR" altLang="en-US" dirty="0" smtClean="0"/>
+              <a:t>통계청</a:t>
+            </a:r>
+            <a:endParaRPr lang="en-US" altLang="ko-KR" dirty="0" smtClean="0"/>
+          </a:p>
+          <a:p>
+            <a:r>
+              <a:rPr lang="ko-KR" altLang="en-US" dirty="0" smtClean="0"/>
+              <a:t>남자 키 </a:t>
+            </a:r>
+            <a:r>
+              <a:rPr lang="en-US" altLang="ko-KR" dirty="0" smtClean="0"/>
+              <a:t>– </a:t>
+            </a:r>
+            <a:r>
+              <a:rPr lang="ko-KR" altLang="en-US" dirty="0" smtClean="0"/>
+              <a:t>병무청</a:t>
+            </a:r>
+            <a:endParaRPr lang="en-US" altLang="ko-KR" dirty="0" smtClean="0"/>
+          </a:p>
+          <a:p>
+            <a:r>
+              <a:rPr lang="ko-KR" altLang="en-US" dirty="0" smtClean="0"/>
+              <a:t>여자 키 </a:t>
+            </a:r>
+            <a:r>
+              <a:rPr lang="en-US" altLang="ko-KR" dirty="0" smtClean="0"/>
+              <a:t>– </a:t>
+            </a:r>
+            <a:r>
+              <a:rPr lang="ko-KR" altLang="en-US" dirty="0" smtClean="0"/>
+              <a:t>통계청</a:t>
+            </a:r>
+            <a:endParaRPr lang="en-US" altLang="ko-KR" dirty="0" smtClean="0"/>
+          </a:p>
+          <a:p>
+            <a:r>
+              <a:rPr lang="ko-KR" altLang="en-US" dirty="0" smtClean="0"/>
+              <a:t>남녀 연봉 </a:t>
+            </a:r>
+            <a:r>
+              <a:rPr lang="en-US" altLang="ko-KR" dirty="0" smtClean="0"/>
+              <a:t>– </a:t>
+            </a:r>
+            <a:r>
+              <a:rPr lang="ko-KR" altLang="en-US" dirty="0" smtClean="0"/>
+              <a:t>통계청</a:t>
+            </a:r>
+            <a:endParaRPr lang="en-US" altLang="ko-KR" dirty="0" smtClean="0"/>
+          </a:p>
+          <a:p>
+            <a:r>
+              <a:rPr lang="ko-KR" altLang="en-US" dirty="0" smtClean="0"/>
+              <a:t>남녀 운동 여부 </a:t>
+            </a:r>
+            <a:r>
+              <a:rPr lang="en-US" altLang="ko-KR" dirty="0" smtClean="0"/>
+              <a:t>– </a:t>
+            </a:r>
+            <a:r>
+              <a:rPr lang="ko-KR" altLang="en-US" dirty="0" smtClean="0"/>
+              <a:t>통계청</a:t>
+            </a:r>
+            <a:endParaRPr lang="en-US" altLang="ko-KR" dirty="0" smtClean="0"/>
+          </a:p>
+          <a:p>
+            <a:r>
+              <a:rPr lang="ko-KR" altLang="en-US" dirty="0" smtClean="0"/>
+              <a:t>남녀 흡연 여부 </a:t>
+            </a:r>
+            <a:r>
+              <a:rPr lang="en-US" altLang="ko-KR" dirty="0" smtClean="0"/>
+              <a:t>– </a:t>
+            </a:r>
+            <a:r>
+              <a:rPr lang="ko-KR" altLang="en-US" dirty="0" smtClean="0"/>
+              <a:t>통계청</a:t>
+            </a:r>
+            <a:r>
+              <a:rPr lang="en-US" altLang="ko-KR" dirty="0" smtClean="0"/>
+              <a:t> </a:t>
+            </a:r>
+          </a:p>
+          <a:p>
+            <a:r>
+              <a:rPr lang="ko-KR" altLang="en-US" dirty="0" smtClean="0"/>
+              <a:t>남녀 음주 여부 </a:t>
+            </a:r>
+            <a:r>
+              <a:rPr lang="en-US" altLang="ko-KR" dirty="0" smtClean="0"/>
+              <a:t>- </a:t>
+            </a:r>
+            <a:r>
+              <a:rPr lang="ko-KR" altLang="en-US" dirty="0" smtClean="0"/>
+              <a:t>통계청</a:t>
+            </a:r>
+            <a:endParaRPr lang="ko-KR" altLang="en-US" dirty="0"/>
+          </a:p>
+        </p:txBody>
+      </p:sp>
+    </p:spTree>
+    <p:extLst>
+      <p:ext uri="{BB962C8B-B14F-4D97-AF65-F5344CB8AC3E}">
+        <p14:creationId xmlns:p14="http://schemas.microsoft.com/office/powerpoint/2010/main" val="1424546455"/>
+      </p:ext>
+    </p:extLst>
+  </p:cSld>
+  <p:clrMapOvr>
+    <a:masterClrMapping/>
+  </p:clrMapOvr>
+</p:sld>
+</file>
+
+<file path=ppt/slides/slide3.xml><?xml version="1.0" encoding="utf-8"?>
+<p:sld xmlns:a="http://schemas.openxmlformats.org/drawingml/2006/main" xmlns:r="http://schemas.openxmlformats.org/officeDocument/2006/relationships" xmlns:p="http://schemas.openxmlformats.org/presentationml/2006/main">
+  <p:cSld>
+    <p:spTree>
+      <p:nvGrpSpPr>
+        <p:cNvPr id="1" name=""/>
+        <p:cNvGrpSpPr/>
+        <p:nvPr/>
+      </p:nvGrpSpPr>
+      <p:grpSpPr>
+        <a:xfrm>
+          <a:off x="0" y="0"/>
+          <a:ext cx="0" cy="0"/>
+          <a:chOff x="0" y="0"/>
+          <a:chExt cx="0" cy="0"/>
+        </a:xfrm>
+      </p:grpSpPr>
+      <p:pic>
+        <p:nvPicPr>
+          <p:cNvPr id="5" name="그림 4"/>
+          <p:cNvPicPr>
+            <a:picLocks noChangeAspect="1"/>
+          </p:cNvPicPr>
+          <p:nvPr/>
+        </p:nvPicPr>
+        <p:blipFill rotWithShape="1">
+          <a:blip r:embed="rId2">
+            <a:extLst>
+              <a:ext uri="{28A0092B-C50C-407E-A947-70E740481C1C}">
+                <a14:useLocalDpi xmlns:a14="http://schemas.microsoft.com/office/drawing/2010/main" val="0"/>
+              </a:ext>
+            </a:extLst>
+          </a:blip>
+          <a:srcRect l="-134" b="29877"/>
+          <a:stretch/>
+        </p:blipFill>
+        <p:spPr>
+          <a:xfrm>
+            <a:off x="363255" y="227863"/>
+            <a:ext cx="7478038" cy="1600938"/>
+          </a:xfrm>
+          <a:prstGeom prst="rect">
+            <a:avLst/>
+          </a:prstGeom>
+        </p:spPr>
+      </p:pic>
+      <p:pic>
+        <p:nvPicPr>
+          <p:cNvPr id="6" name="그림 5"/>
+          <p:cNvPicPr>
+            <a:picLocks noChangeAspect="1"/>
+          </p:cNvPicPr>
+          <p:nvPr/>
+        </p:nvPicPr>
+        <p:blipFill>
+          <a:blip r:embed="rId3">
+            <a:extLst>
+              <a:ext uri="{28A0092B-C50C-407E-A947-70E740481C1C}">
+                <a14:useLocalDpi xmlns:a14="http://schemas.microsoft.com/office/drawing/2010/main" val="0"/>
+              </a:ext>
+            </a:extLst>
+          </a:blip>
+          <a:stretch>
+            <a:fillRect/>
+          </a:stretch>
+        </p:blipFill>
+        <p:spPr>
+          <a:xfrm>
+            <a:off x="363254" y="1951109"/>
+            <a:ext cx="6595642" cy="341154"/>
+          </a:xfrm>
+          <a:prstGeom prst="rect">
+            <a:avLst/>
+          </a:prstGeom>
+        </p:spPr>
+      </p:pic>
+      <p:sp>
+        <p:nvSpPr>
+          <p:cNvPr id="2" name="TextBox 1"/>
+          <p:cNvSpPr txBox="1"/>
+          <p:nvPr/>
+        </p:nvSpPr>
+        <p:spPr>
+          <a:xfrm>
+            <a:off x="532015" y="2776451"/>
+            <a:ext cx="4854632" cy="369332"/>
+          </a:xfrm>
+          <a:prstGeom prst="rect">
+            <a:avLst/>
+          </a:prstGeom>
+          <a:noFill/>
+        </p:spPr>
+        <p:txBody>
+          <a:bodyPr wrap="square" rtlCol="0">
+            <a:spAutoFit/>
+          </a:bodyPr>
+          <a:lstStyle/>
+          <a:p>
+            <a:r>
+              <a:rPr lang="ko-KR" altLang="en-US" dirty="0" smtClean="0"/>
+              <a:t>리스트 사용</a:t>
+            </a:r>
+            <a:endParaRPr lang="ko-KR" altLang="en-US" dirty="0"/>
+          </a:p>
+        </p:txBody>
+      </p:sp>
+    </p:spTree>
+    <p:extLst>
+      <p:ext uri="{BB962C8B-B14F-4D97-AF65-F5344CB8AC3E}">
+        <p14:creationId xmlns:p14="http://schemas.microsoft.com/office/powerpoint/2010/main" val="2757204701"/>
+      </p:ext>
+    </p:extLst>
+  </p:cSld>
+  <p:clrMapOvr>
+    <a:masterClrMapping/>
+  </p:clrMapOvr>
+  <p:timing>
+    <p:tnLst>
+      <p:par>
+        <p:cTn id="1" dur="indefinite" restart="never" nodeType="tmRoot"/>
+      </p:par>
+    </p:tnLst>
+  </p:timing>
+</p:sld>
+</file>
+
+<file path=ppt/slides/slide4.xml><?xml version="1.0" encoding="utf-8"?>
+<p:sld xmlns:a="http://schemas.openxmlformats.org/drawingml/2006/main" xmlns:r="http://schemas.openxmlformats.org/officeDocument/2006/relationships" xmlns:p="http://schemas.openxmlformats.org/presentationml/2006/main">
+  <p:cSld>
+    <p:spTree>
+      <p:nvGrpSpPr>
+        <p:cNvPr id="1" name=""/>
+        <p:cNvGrpSpPr/>
+        <p:nvPr/>
+      </p:nvGrpSpPr>
+      <p:grpSpPr>
+        <a:xfrm>
+          <a:off x="0" y="0"/>
+          <a:ext cx="0" cy="0"/>
+          <a:chOff x="0" y="0"/>
+          <a:chExt cx="0" cy="0"/>
+        </a:xfrm>
+      </p:grpSpPr>
+      <p:pic>
+        <p:nvPicPr>
+          <p:cNvPr id="4" name="그림 3"/>
+          <p:cNvPicPr>
+            <a:picLocks noChangeAspect="1"/>
+          </p:cNvPicPr>
+          <p:nvPr/>
+        </p:nvPicPr>
+        <p:blipFill rotWithShape="1">
+          <a:blip r:embed="rId2">
+            <a:extLst>
+              <a:ext uri="{28A0092B-C50C-407E-A947-70E740481C1C}">
+                <a14:useLocalDpi xmlns:a14="http://schemas.microsoft.com/office/drawing/2010/main" val="0"/>
+              </a:ext>
+            </a:extLst>
+          </a:blip>
+          <a:srcRect r="-581" b="16829"/>
+          <a:stretch/>
+        </p:blipFill>
+        <p:spPr>
+          <a:xfrm>
+            <a:off x="627433" y="401479"/>
+            <a:ext cx="6499877" cy="4859453"/>
+          </a:xfrm>
+          <a:prstGeom prst="rect">
+            <a:avLst/>
+          </a:prstGeom>
+        </p:spPr>
+      </p:pic>
+      <p:pic>
+        <p:nvPicPr>
+          <p:cNvPr id="5" name="그림 4"/>
+          <p:cNvPicPr>
+            <a:picLocks noChangeAspect="1"/>
+          </p:cNvPicPr>
+          <p:nvPr/>
+        </p:nvPicPr>
+        <p:blipFill rotWithShape="1">
+          <a:blip r:embed="rId3">
+            <a:extLst>
+              <a:ext uri="{28A0092B-C50C-407E-A947-70E740481C1C}">
+                <a14:useLocalDpi xmlns:a14="http://schemas.microsoft.com/office/drawing/2010/main" val="0"/>
+              </a:ext>
+            </a:extLst>
+          </a:blip>
+          <a:srcRect l="1160" b="-2250"/>
+          <a:stretch/>
+        </p:blipFill>
+        <p:spPr>
+          <a:xfrm>
+            <a:off x="651353" y="5355372"/>
+            <a:ext cx="2036659" cy="569439"/>
+          </a:xfrm>
+          <a:prstGeom prst="rect">
+            <a:avLst/>
+          </a:prstGeom>
+        </p:spPr>
+      </p:pic>
+    </p:spTree>
+    <p:extLst>
+      <p:ext uri="{BB962C8B-B14F-4D97-AF65-F5344CB8AC3E}">
+        <p14:creationId xmlns:p14="http://schemas.microsoft.com/office/powerpoint/2010/main" val="163820272"/>
+      </p:ext>
+    </p:extLst>
+  </p:cSld>
+  <p:clrMapOvr>
+    <a:masterClrMapping/>
+  </p:clrMapOvr>
+  <p:timing>
+    <p:tnLst>
+      <p:par>
+        <p:cTn id="1" dur="indefinite" restart="never" nodeType="tmRoot"/>
+      </p:par>
+    </p:tnLst>
+  </p:timing>
+</p:sld>
+</file>
+
+<file path=ppt/slides/slide5.xml><?xml version="1.0" encoding="utf-8"?>
+<p:sld xmlns:a="http://schemas.openxmlformats.org/drawingml/2006/main" xmlns:r="http://schemas.openxmlformats.org/officeDocument/2006/relationships" xmlns:p="http://schemas.openxmlformats.org/presentationml/2006/main">
+  <p:cSld>
+    <p:spTree>
+      <p:nvGrpSpPr>
+        <p:cNvPr id="1" name=""/>
+        <p:cNvGrpSpPr/>
+        <p:nvPr/>
+      </p:nvGrpSpPr>
+      <p:grpSpPr>
+        <a:xfrm>
+          <a:off x="0" y="0"/>
+          <a:ext cx="0" cy="0"/>
+          <a:chOff x="0" y="0"/>
+          <a:chExt cx="0" cy="0"/>
+        </a:xfrm>
+      </p:grpSpPr>
+      <p:sp>
+        <p:nvSpPr>
+          <p:cNvPr id="4" name="직사각형 3"/>
+          <p:cNvSpPr/>
+          <p:nvPr/>
+        </p:nvSpPr>
+        <p:spPr>
+          <a:xfrm>
+            <a:off x="167013" y="862964"/>
+            <a:ext cx="6096000" cy="1200329"/>
+          </a:xfrm>
+          <a:prstGeom prst="rect">
+            <a:avLst/>
+          </a:prstGeom>
+        </p:spPr>
+        <p:txBody>
+          <a:bodyPr>
+            <a:spAutoFit/>
+          </a:bodyPr>
+          <a:lstStyle/>
+          <a:p>
+            <a:r>
+              <a:rPr lang="ko-KR" altLang="en-US" b="0" i="0" dirty="0" err="1" smtClean="0">
+                <a:solidFill>
+                  <a:srgbClr val="666666"/>
+                </a:solidFill>
+                <a:effectLst/>
+                <a:latin typeface="NanumGothic"/>
+              </a:rPr>
+              <a:t>조건문은</a:t>
+            </a:r>
+            <a:r>
+              <a:rPr lang="ko-KR" altLang="en-US" b="0" i="0" dirty="0" smtClean="0">
+                <a:solidFill>
+                  <a:srgbClr val="666666"/>
+                </a:solidFill>
+                <a:effectLst/>
+                <a:latin typeface="NanumGothic"/>
+              </a:rPr>
+              <a:t> 어떤 조건에 맞는 상황에서만 코드를 실행할 수 있도록 하는 문법입니다</a:t>
+            </a:r>
+            <a:r>
+              <a:rPr lang="en-US" altLang="ko-KR" b="0" i="0" dirty="0" smtClean="0">
+                <a:solidFill>
+                  <a:srgbClr val="666666"/>
+                </a:solidFill>
+                <a:effectLst/>
+                <a:latin typeface="NanumGothic"/>
+              </a:rPr>
+              <a:t>. </a:t>
+            </a:r>
+          </a:p>
+          <a:p>
+            <a:r>
+              <a:rPr lang="ko-KR" altLang="en-US" b="1" i="0" dirty="0" smtClean="0">
+                <a:solidFill>
+                  <a:srgbClr val="666666"/>
+                </a:solidFill>
+                <a:effectLst/>
+                <a:latin typeface="NanumGothic"/>
+              </a:rPr>
+              <a:t>조건에 맞는다</a:t>
+            </a:r>
+            <a:r>
+              <a:rPr lang="ko-KR" altLang="en-US" b="0" i="0" dirty="0" smtClean="0">
+                <a:solidFill>
+                  <a:srgbClr val="666666"/>
+                </a:solidFill>
+                <a:effectLst/>
+                <a:latin typeface="NanumGothic"/>
+              </a:rPr>
+              <a:t>는 의미는 </a:t>
+            </a:r>
+            <a:r>
+              <a:rPr lang="en-US" altLang="ko-KR" b="1" i="0" dirty="0" smtClean="0">
+                <a:solidFill>
+                  <a:srgbClr val="666666"/>
+                </a:solidFill>
+                <a:effectLst/>
+                <a:latin typeface="NanumGothic"/>
+              </a:rPr>
+              <a:t>'</a:t>
+            </a:r>
+            <a:r>
+              <a:rPr lang="ko-KR" altLang="en-US" b="1" i="0" dirty="0" smtClean="0">
+                <a:solidFill>
+                  <a:srgbClr val="666666"/>
+                </a:solidFill>
+                <a:effectLst/>
+                <a:latin typeface="NanumGothic"/>
+              </a:rPr>
+              <a:t>조건식</a:t>
+            </a:r>
+            <a:r>
+              <a:rPr lang="en-US" altLang="ko-KR" b="1" i="0" dirty="0" smtClean="0">
+                <a:solidFill>
+                  <a:srgbClr val="666666"/>
+                </a:solidFill>
+                <a:effectLst/>
+                <a:latin typeface="NanumGothic"/>
+              </a:rPr>
+              <a:t>'</a:t>
+            </a:r>
+            <a:r>
+              <a:rPr lang="ko-KR" altLang="en-US" b="1" i="0" dirty="0" smtClean="0">
+                <a:solidFill>
+                  <a:srgbClr val="666666"/>
+                </a:solidFill>
+                <a:effectLst/>
+                <a:latin typeface="NanumGothic"/>
+              </a:rPr>
+              <a:t>이 </a:t>
+            </a:r>
+            <a:r>
+              <a:rPr lang="en-US" altLang="ko-KR" b="1" i="0" dirty="0" smtClean="0">
+                <a:solidFill>
+                  <a:srgbClr val="666666"/>
+                </a:solidFill>
+                <a:effectLst/>
+                <a:latin typeface="NanumGothic"/>
+              </a:rPr>
+              <a:t>true</a:t>
+            </a:r>
+            <a:r>
+              <a:rPr lang="ko-KR" altLang="en-US" b="0" i="0" dirty="0" smtClean="0">
+                <a:solidFill>
+                  <a:srgbClr val="666666"/>
+                </a:solidFill>
+                <a:effectLst/>
+                <a:latin typeface="NanumGothic"/>
+              </a:rPr>
+              <a:t>가 됨을 의미합니다</a:t>
+            </a:r>
+            <a:r>
+              <a:rPr lang="en-US" altLang="ko-KR" b="0" i="0" dirty="0" smtClean="0">
+                <a:solidFill>
+                  <a:srgbClr val="666666"/>
+                </a:solidFill>
+                <a:effectLst/>
+                <a:latin typeface="NanumGothic"/>
+              </a:rPr>
+              <a:t>.</a:t>
+            </a:r>
+            <a:endParaRPr lang="ko-KR" altLang="en-US" dirty="0"/>
+          </a:p>
+        </p:txBody>
+      </p:sp>
+      <p:pic>
+        <p:nvPicPr>
+          <p:cNvPr id="5" name="그림 4"/>
+          <p:cNvPicPr>
+            <a:picLocks noChangeAspect="1"/>
+          </p:cNvPicPr>
+          <p:nvPr/>
+        </p:nvPicPr>
+        <p:blipFill>
+          <a:blip r:embed="rId2">
+            <a:extLst>
+              <a:ext uri="{28A0092B-C50C-407E-A947-70E740481C1C}">
+                <a14:useLocalDpi xmlns:a14="http://schemas.microsoft.com/office/drawing/2010/main" val="0"/>
+              </a:ext>
+            </a:extLst>
+          </a:blip>
+          <a:stretch>
+            <a:fillRect/>
+          </a:stretch>
+        </p:blipFill>
+        <p:spPr>
+          <a:xfrm>
+            <a:off x="304798" y="227367"/>
+            <a:ext cx="1824625" cy="635597"/>
+          </a:xfrm>
+          <a:prstGeom prst="rect">
+            <a:avLst/>
+          </a:prstGeom>
+        </p:spPr>
+      </p:pic>
+    </p:spTree>
+    <p:extLst>
+      <p:ext uri="{BB962C8B-B14F-4D97-AF65-F5344CB8AC3E}">
+        <p14:creationId xmlns:p14="http://schemas.microsoft.com/office/powerpoint/2010/main" val="1969691204"/>
+      </p:ext>
+    </p:extLst>
+  </p:cSld>
+  <p:clrMapOvr>
+    <a:masterClrMapping/>
+  </p:clrMapOvr>
+  <p:timing>
+    <p:tnLst>
+      <p:par>
+        <p:cTn id="1" dur="indefinite" restart="never" nodeType="tmRoot"/>
+      </p:par>
+    </p:tnLst>
+  </p:timing>
+</p:sld>
+</file>
+
+<file path=ppt/slides/slide6.xml><?xml version="1.0" encoding="utf-8"?>
+<p:sld xmlns:a="http://schemas.openxmlformats.org/drawingml/2006/main" xmlns:r="http://schemas.openxmlformats.org/officeDocument/2006/relationships" xmlns:p="http://schemas.openxmlformats.org/presentationml/2006/main">
+  <p:cSld>
+    <p:spTree>
+      <p:nvGrpSpPr>
+        <p:cNvPr id="1" name=""/>
+        <p:cNvGrpSpPr/>
+        <p:nvPr/>
+      </p:nvGrpSpPr>
+      <p:grpSpPr>
+        <a:xfrm>
+          <a:off x="0" y="0"/>
+          <a:ext cx="0" cy="0"/>
+          <a:chOff x="0" y="0"/>
+          <a:chExt cx="0" cy="0"/>
+        </a:xfrm>
+      </p:grpSpPr>
       <p:pic>
         <p:nvPicPr>
           <p:cNvPr id="4" name="그림 3"/>
@@ -3062,639 +3921,6 @@
     <p:extLst>
       <p:ext uri="{BB962C8B-B14F-4D97-AF65-F5344CB8AC3E}">
         <p14:creationId xmlns:p14="http://schemas.microsoft.com/office/powerpoint/2010/main" val="1256124915"/>
-      </p:ext>
-    </p:extLst>
-  </p:cSld>
-  <p:clrMapOvr>
-    <a:masterClrMapping/>
-  </p:clrMapOvr>
-  <p:timing>
-    <p:tnLst>
-      <p:par>
-        <p:cTn id="1" dur="indefinite" restart="never" nodeType="tmRoot"/>
-      </p:par>
-    </p:tnLst>
-  </p:timing>
-</p:sld>
-</file>
-
-<file path=ppt/slides/slide2.xml><?xml version="1.0" encoding="utf-8"?>
-<p:sld xmlns:a="http://schemas.openxmlformats.org/drawingml/2006/main" xmlns:r="http://schemas.openxmlformats.org/officeDocument/2006/relationships" xmlns:p="http://schemas.openxmlformats.org/presentationml/2006/main">
-  <p:cSld>
-    <p:spTree>
-      <p:nvGrpSpPr>
-        <p:cNvPr id="1" name=""/>
-        <p:cNvGrpSpPr/>
-        <p:nvPr/>
-      </p:nvGrpSpPr>
-      <p:grpSpPr>
-        <a:xfrm>
-          <a:off x="0" y="0"/>
-          <a:ext cx="0" cy="0"/>
-          <a:chOff x="0" y="0"/>
-          <a:chExt cx="0" cy="0"/>
-        </a:xfrm>
-      </p:grpSpPr>
-      <p:pic>
-        <p:nvPicPr>
-          <p:cNvPr id="4" name="그림 3"/>
-          <p:cNvPicPr>
-            <a:picLocks noChangeAspect="1"/>
-          </p:cNvPicPr>
-          <p:nvPr/>
-        </p:nvPicPr>
-        <p:blipFill rotWithShape="1">
-          <a:blip r:embed="rId2">
-            <a:extLst>
-              <a:ext uri="{28A0092B-C50C-407E-A947-70E740481C1C}">
-                <a14:useLocalDpi xmlns:a14="http://schemas.microsoft.com/office/drawing/2010/main" val="0"/>
-              </a:ext>
-            </a:extLst>
-          </a:blip>
-          <a:srcRect r="-581" b="16829"/>
-          <a:stretch/>
-        </p:blipFill>
-        <p:spPr>
-          <a:xfrm>
-            <a:off x="627433" y="401479"/>
-            <a:ext cx="6499877" cy="4859453"/>
-          </a:xfrm>
-          <a:prstGeom prst="rect">
-            <a:avLst/>
-          </a:prstGeom>
-        </p:spPr>
-      </p:pic>
-      <p:pic>
-        <p:nvPicPr>
-          <p:cNvPr id="5" name="그림 4"/>
-          <p:cNvPicPr>
-            <a:picLocks noChangeAspect="1"/>
-          </p:cNvPicPr>
-          <p:nvPr/>
-        </p:nvPicPr>
-        <p:blipFill rotWithShape="1">
-          <a:blip r:embed="rId3">
-            <a:extLst>
-              <a:ext uri="{28A0092B-C50C-407E-A947-70E740481C1C}">
-                <a14:useLocalDpi xmlns:a14="http://schemas.microsoft.com/office/drawing/2010/main" val="0"/>
-              </a:ext>
-            </a:extLst>
-          </a:blip>
-          <a:srcRect l="1160" b="-2250"/>
-          <a:stretch/>
-        </p:blipFill>
-        <p:spPr>
-          <a:xfrm>
-            <a:off x="651353" y="5355372"/>
-            <a:ext cx="2036659" cy="569439"/>
-          </a:xfrm>
-          <a:prstGeom prst="rect">
-            <a:avLst/>
-          </a:prstGeom>
-        </p:spPr>
-      </p:pic>
-    </p:spTree>
-    <p:extLst>
-      <p:ext uri="{BB962C8B-B14F-4D97-AF65-F5344CB8AC3E}">
-        <p14:creationId xmlns:p14="http://schemas.microsoft.com/office/powerpoint/2010/main" val="163820272"/>
-      </p:ext>
-    </p:extLst>
-  </p:cSld>
-  <p:clrMapOvr>
-    <a:masterClrMapping/>
-  </p:clrMapOvr>
-  <p:timing>
-    <p:tnLst>
-      <p:par>
-        <p:cTn id="1" dur="indefinite" restart="never" nodeType="tmRoot"/>
-      </p:par>
-    </p:tnLst>
-  </p:timing>
-</p:sld>
-</file>
-
-<file path=ppt/slides/slide3.xml><?xml version="1.0" encoding="utf-8"?>
-<p:sld xmlns:a="http://schemas.openxmlformats.org/drawingml/2006/main" xmlns:r="http://schemas.openxmlformats.org/officeDocument/2006/relationships" xmlns:p="http://schemas.openxmlformats.org/presentationml/2006/main">
-  <p:cSld>
-    <p:spTree>
-      <p:nvGrpSpPr>
-        <p:cNvPr id="1" name=""/>
-        <p:cNvGrpSpPr/>
-        <p:nvPr/>
-      </p:nvGrpSpPr>
-      <p:grpSpPr>
-        <a:xfrm>
-          <a:off x="0" y="0"/>
-          <a:ext cx="0" cy="0"/>
-          <a:chOff x="0" y="0"/>
-          <a:chExt cx="0" cy="0"/>
-        </a:xfrm>
-      </p:grpSpPr>
-      <p:sp>
-        <p:nvSpPr>
-          <p:cNvPr id="4" name="직사각형 3"/>
-          <p:cNvSpPr/>
-          <p:nvPr/>
-        </p:nvSpPr>
-        <p:spPr>
-          <a:xfrm>
-            <a:off x="221029" y="213035"/>
-            <a:ext cx="952505" cy="369332"/>
-          </a:xfrm>
-          <a:prstGeom prst="rect">
-            <a:avLst/>
-          </a:prstGeom>
-        </p:spPr>
-        <p:txBody>
-          <a:bodyPr wrap="none">
-            <a:spAutoFit/>
-          </a:bodyPr>
-          <a:lstStyle/>
-          <a:p>
-            <a:r>
-              <a:rPr lang="en-US" altLang="ko-KR" b="1" i="0" dirty="0" smtClean="0">
-                <a:solidFill>
-                  <a:srgbClr val="304166"/>
-                </a:solidFill>
-                <a:effectLst/>
-                <a:latin typeface="-apple-system"/>
-              </a:rPr>
-              <a:t>CSV</a:t>
-            </a:r>
-            <a:r>
-              <a:rPr lang="ko-KR" altLang="en-US" b="1" i="0" dirty="0" smtClean="0">
-                <a:solidFill>
-                  <a:srgbClr val="304166"/>
-                </a:solidFill>
-                <a:effectLst/>
-                <a:latin typeface="-apple-system"/>
-              </a:rPr>
-              <a:t>란</a:t>
-            </a:r>
-            <a:r>
-              <a:rPr lang="en-US" altLang="ko-KR" b="1" i="0" dirty="0" smtClean="0">
-                <a:solidFill>
-                  <a:srgbClr val="304166"/>
-                </a:solidFill>
-                <a:effectLst/>
-                <a:latin typeface="-apple-system"/>
-              </a:rPr>
-              <a:t>?</a:t>
-            </a:r>
-            <a:endParaRPr lang="en-US" altLang="ko-KR" b="1" i="0" dirty="0">
-              <a:solidFill>
-                <a:srgbClr val="304166"/>
-              </a:solidFill>
-              <a:effectLst/>
-              <a:latin typeface="-apple-system"/>
-            </a:endParaRPr>
-          </a:p>
-        </p:txBody>
-      </p:sp>
-      <p:sp>
-        <p:nvSpPr>
-          <p:cNvPr id="7" name="TextBox 6"/>
-          <p:cNvSpPr txBox="1"/>
-          <p:nvPr/>
-        </p:nvSpPr>
-        <p:spPr>
-          <a:xfrm>
-            <a:off x="338203" y="701458"/>
-            <a:ext cx="10296394" cy="646331"/>
-          </a:xfrm>
-          <a:prstGeom prst="rect">
-            <a:avLst/>
-          </a:prstGeom>
-          <a:noFill/>
-        </p:spPr>
-        <p:txBody>
-          <a:bodyPr wrap="square" rtlCol="0">
-            <a:spAutoFit/>
-          </a:bodyPr>
-          <a:lstStyle/>
-          <a:p>
-            <a:r>
-              <a:rPr lang="en-US" altLang="ko-KR" dirty="0" smtClean="0"/>
-              <a:t>Csv</a:t>
-            </a:r>
-            <a:r>
-              <a:rPr lang="ko-KR" altLang="en-US" dirty="0" smtClean="0"/>
-              <a:t>란 </a:t>
-            </a:r>
-            <a:r>
-              <a:rPr lang="en-US" altLang="ko-KR" dirty="0" smtClean="0"/>
-              <a:t>comma-</a:t>
-            </a:r>
-            <a:r>
-              <a:rPr lang="en-US" altLang="ko-KR" dirty="0" err="1" smtClean="0"/>
-              <a:t>sparated</a:t>
-            </a:r>
-            <a:r>
-              <a:rPr lang="en-US" altLang="ko-KR" dirty="0" smtClean="0"/>
-              <a:t> values</a:t>
-            </a:r>
-            <a:r>
-              <a:rPr lang="ko-KR" altLang="en-US" dirty="0" smtClean="0"/>
-              <a:t>의 </a:t>
-            </a:r>
-            <a:r>
-              <a:rPr lang="ko-KR" altLang="en-US" dirty="0" err="1" smtClean="0"/>
-              <a:t>줄임말로</a:t>
-            </a:r>
-            <a:r>
-              <a:rPr lang="ko-KR" altLang="en-US" dirty="0" smtClean="0"/>
-              <a:t> 몇 가지 필드를 쉼표</a:t>
-            </a:r>
-            <a:r>
-              <a:rPr lang="en-US" altLang="ko-KR" dirty="0" smtClean="0"/>
-              <a:t>(,)</a:t>
-            </a:r>
-            <a:r>
-              <a:rPr lang="ko-KR" altLang="en-US" dirty="0" smtClean="0"/>
-              <a:t>로 구분한 텍스트 데이터 및 텍스트 파일입니다</a:t>
-            </a:r>
-            <a:r>
-              <a:rPr lang="en-US" altLang="ko-KR" dirty="0" smtClean="0"/>
-              <a:t>.</a:t>
-            </a:r>
-            <a:endParaRPr lang="ko-KR" altLang="en-US" dirty="0"/>
-          </a:p>
-        </p:txBody>
-      </p:sp>
-      <p:pic>
-        <p:nvPicPr>
-          <p:cNvPr id="8" name="그림 7"/>
-          <p:cNvPicPr>
-            <a:picLocks noChangeAspect="1"/>
-          </p:cNvPicPr>
-          <p:nvPr/>
-        </p:nvPicPr>
-        <p:blipFill>
-          <a:blip r:embed="rId2">
-            <a:extLst>
-              <a:ext uri="{28A0092B-C50C-407E-A947-70E740481C1C}">
-                <a14:useLocalDpi xmlns:a14="http://schemas.microsoft.com/office/drawing/2010/main" val="0"/>
-              </a:ext>
-            </a:extLst>
-          </a:blip>
-          <a:stretch>
-            <a:fillRect/>
-          </a:stretch>
-        </p:blipFill>
-        <p:spPr>
-          <a:xfrm>
-            <a:off x="221029" y="1466880"/>
-            <a:ext cx="8359300" cy="881527"/>
-          </a:xfrm>
-          <a:prstGeom prst="rect">
-            <a:avLst/>
-          </a:prstGeom>
-        </p:spPr>
-      </p:pic>
-      <p:pic>
-        <p:nvPicPr>
-          <p:cNvPr id="9" name="그림 8"/>
-          <p:cNvPicPr>
-            <a:picLocks noChangeAspect="1"/>
-          </p:cNvPicPr>
-          <p:nvPr/>
-        </p:nvPicPr>
-        <p:blipFill>
-          <a:blip r:embed="rId3">
-            <a:extLst>
-              <a:ext uri="{28A0092B-C50C-407E-A947-70E740481C1C}">
-                <a14:useLocalDpi xmlns:a14="http://schemas.microsoft.com/office/drawing/2010/main" val="0"/>
-              </a:ext>
-            </a:extLst>
-          </a:blip>
-          <a:stretch>
-            <a:fillRect/>
-          </a:stretch>
-        </p:blipFill>
-        <p:spPr>
-          <a:xfrm>
-            <a:off x="221029" y="2467498"/>
-            <a:ext cx="4037820" cy="1507453"/>
-          </a:xfrm>
-          <a:prstGeom prst="rect">
-            <a:avLst/>
-          </a:prstGeom>
-        </p:spPr>
-      </p:pic>
-    </p:spTree>
-    <p:extLst>
-      <p:ext uri="{BB962C8B-B14F-4D97-AF65-F5344CB8AC3E}">
-        <p14:creationId xmlns:p14="http://schemas.microsoft.com/office/powerpoint/2010/main" val="1925505730"/>
-      </p:ext>
-    </p:extLst>
-  </p:cSld>
-  <p:clrMapOvr>
-    <a:masterClrMapping/>
-  </p:clrMapOvr>
-  <p:timing>
-    <p:tnLst>
-      <p:par>
-        <p:cTn id="1" dur="indefinite" restart="never" nodeType="tmRoot"/>
-      </p:par>
-    </p:tnLst>
-  </p:timing>
-</p:sld>
-</file>
-
-<file path=ppt/slides/slide4.xml><?xml version="1.0" encoding="utf-8"?>
-<p:sld xmlns:a="http://schemas.openxmlformats.org/drawingml/2006/main" xmlns:r="http://schemas.openxmlformats.org/officeDocument/2006/relationships" xmlns:p="http://schemas.openxmlformats.org/presentationml/2006/main">
-  <p:cSld>
-    <p:spTree>
-      <p:nvGrpSpPr>
-        <p:cNvPr id="1" name=""/>
-        <p:cNvGrpSpPr/>
-        <p:nvPr/>
-      </p:nvGrpSpPr>
-      <p:grpSpPr>
-        <a:xfrm>
-          <a:off x="0" y="0"/>
-          <a:ext cx="0" cy="0"/>
-          <a:chOff x="0" y="0"/>
-          <a:chExt cx="0" cy="0"/>
-        </a:xfrm>
-      </p:grpSpPr>
-      <p:sp>
-        <p:nvSpPr>
-          <p:cNvPr id="4" name="직사각형 3"/>
-          <p:cNvSpPr/>
-          <p:nvPr/>
-        </p:nvSpPr>
-        <p:spPr>
-          <a:xfrm>
-            <a:off x="167013" y="862964"/>
-            <a:ext cx="6096000" cy="1200329"/>
-          </a:xfrm>
-          <a:prstGeom prst="rect">
-            <a:avLst/>
-          </a:prstGeom>
-        </p:spPr>
-        <p:txBody>
-          <a:bodyPr>
-            <a:spAutoFit/>
-          </a:bodyPr>
-          <a:lstStyle/>
-          <a:p>
-            <a:r>
-              <a:rPr lang="ko-KR" altLang="en-US" b="0" i="0" dirty="0" err="1" smtClean="0">
-                <a:solidFill>
-                  <a:srgbClr val="666666"/>
-                </a:solidFill>
-                <a:effectLst/>
-                <a:latin typeface="NanumGothic"/>
-              </a:rPr>
-              <a:t>조건문은</a:t>
-            </a:r>
-            <a:r>
-              <a:rPr lang="ko-KR" altLang="en-US" b="0" i="0" dirty="0" smtClean="0">
-                <a:solidFill>
-                  <a:srgbClr val="666666"/>
-                </a:solidFill>
-                <a:effectLst/>
-                <a:latin typeface="NanumGothic"/>
-              </a:rPr>
-              <a:t> 어떤 조건에 맞는 상황에서만 코드를 실행할 수 있도록 하는 문법입니다</a:t>
-            </a:r>
-            <a:r>
-              <a:rPr lang="en-US" altLang="ko-KR" b="0" i="0" dirty="0" smtClean="0">
-                <a:solidFill>
-                  <a:srgbClr val="666666"/>
-                </a:solidFill>
-                <a:effectLst/>
-                <a:latin typeface="NanumGothic"/>
-              </a:rPr>
-              <a:t>. </a:t>
-            </a:r>
-          </a:p>
-          <a:p>
-            <a:r>
-              <a:rPr lang="ko-KR" altLang="en-US" b="1" i="0" dirty="0" smtClean="0">
-                <a:solidFill>
-                  <a:srgbClr val="666666"/>
-                </a:solidFill>
-                <a:effectLst/>
-                <a:latin typeface="NanumGothic"/>
-              </a:rPr>
-              <a:t>조건에 맞는다</a:t>
-            </a:r>
-            <a:r>
-              <a:rPr lang="ko-KR" altLang="en-US" b="0" i="0" dirty="0" smtClean="0">
-                <a:solidFill>
-                  <a:srgbClr val="666666"/>
-                </a:solidFill>
-                <a:effectLst/>
-                <a:latin typeface="NanumGothic"/>
-              </a:rPr>
-              <a:t>는 의미는 </a:t>
-            </a:r>
-            <a:r>
-              <a:rPr lang="en-US" altLang="ko-KR" b="1" i="0" dirty="0" smtClean="0">
-                <a:solidFill>
-                  <a:srgbClr val="666666"/>
-                </a:solidFill>
-                <a:effectLst/>
-                <a:latin typeface="NanumGothic"/>
-              </a:rPr>
-              <a:t>'</a:t>
-            </a:r>
-            <a:r>
-              <a:rPr lang="ko-KR" altLang="en-US" b="1" i="0" dirty="0" smtClean="0">
-                <a:solidFill>
-                  <a:srgbClr val="666666"/>
-                </a:solidFill>
-                <a:effectLst/>
-                <a:latin typeface="NanumGothic"/>
-              </a:rPr>
-              <a:t>조건식</a:t>
-            </a:r>
-            <a:r>
-              <a:rPr lang="en-US" altLang="ko-KR" b="1" i="0" dirty="0" smtClean="0">
-                <a:solidFill>
-                  <a:srgbClr val="666666"/>
-                </a:solidFill>
-                <a:effectLst/>
-                <a:latin typeface="NanumGothic"/>
-              </a:rPr>
-              <a:t>'</a:t>
-            </a:r>
-            <a:r>
-              <a:rPr lang="ko-KR" altLang="en-US" b="1" i="0" dirty="0" smtClean="0">
-                <a:solidFill>
-                  <a:srgbClr val="666666"/>
-                </a:solidFill>
-                <a:effectLst/>
-                <a:latin typeface="NanumGothic"/>
-              </a:rPr>
-              <a:t>이 </a:t>
-            </a:r>
-            <a:r>
-              <a:rPr lang="en-US" altLang="ko-KR" b="1" i="0" dirty="0" smtClean="0">
-                <a:solidFill>
-                  <a:srgbClr val="666666"/>
-                </a:solidFill>
-                <a:effectLst/>
-                <a:latin typeface="NanumGothic"/>
-              </a:rPr>
-              <a:t>true</a:t>
-            </a:r>
-            <a:r>
-              <a:rPr lang="ko-KR" altLang="en-US" b="0" i="0" dirty="0" smtClean="0">
-                <a:solidFill>
-                  <a:srgbClr val="666666"/>
-                </a:solidFill>
-                <a:effectLst/>
-                <a:latin typeface="NanumGothic"/>
-              </a:rPr>
-              <a:t>가 됨을 의미합니다</a:t>
-            </a:r>
-            <a:r>
-              <a:rPr lang="en-US" altLang="ko-KR" b="0" i="0" dirty="0" smtClean="0">
-                <a:solidFill>
-                  <a:srgbClr val="666666"/>
-                </a:solidFill>
-                <a:effectLst/>
-                <a:latin typeface="NanumGothic"/>
-              </a:rPr>
-              <a:t>.</a:t>
-            </a:r>
-            <a:endParaRPr lang="ko-KR" altLang="en-US" dirty="0"/>
-          </a:p>
-        </p:txBody>
-      </p:sp>
-      <p:pic>
-        <p:nvPicPr>
-          <p:cNvPr id="5" name="그림 4"/>
-          <p:cNvPicPr>
-            <a:picLocks noChangeAspect="1"/>
-          </p:cNvPicPr>
-          <p:nvPr/>
-        </p:nvPicPr>
-        <p:blipFill>
-          <a:blip r:embed="rId2">
-            <a:extLst>
-              <a:ext uri="{28A0092B-C50C-407E-A947-70E740481C1C}">
-                <a14:useLocalDpi xmlns:a14="http://schemas.microsoft.com/office/drawing/2010/main" val="0"/>
-              </a:ext>
-            </a:extLst>
-          </a:blip>
-          <a:stretch>
-            <a:fillRect/>
-          </a:stretch>
-        </p:blipFill>
-        <p:spPr>
-          <a:xfrm>
-            <a:off x="304798" y="227367"/>
-            <a:ext cx="1824625" cy="635597"/>
-          </a:xfrm>
-          <a:prstGeom prst="rect">
-            <a:avLst/>
-          </a:prstGeom>
-        </p:spPr>
-      </p:pic>
-    </p:spTree>
-    <p:extLst>
-      <p:ext uri="{BB962C8B-B14F-4D97-AF65-F5344CB8AC3E}">
-        <p14:creationId xmlns:p14="http://schemas.microsoft.com/office/powerpoint/2010/main" val="1969691204"/>
-      </p:ext>
-    </p:extLst>
-  </p:cSld>
-  <p:clrMapOvr>
-    <a:masterClrMapping/>
-  </p:clrMapOvr>
-  <p:timing>
-    <p:tnLst>
-      <p:par>
-        <p:cTn id="1" dur="indefinite" restart="never" nodeType="tmRoot"/>
-      </p:par>
-    </p:tnLst>
-  </p:timing>
-</p:sld>
-</file>
-
-<file path=ppt/slides/slide5.xml><?xml version="1.0" encoding="utf-8"?>
-<p:sld xmlns:a="http://schemas.openxmlformats.org/drawingml/2006/main" xmlns:r="http://schemas.openxmlformats.org/officeDocument/2006/relationships" xmlns:p="http://schemas.openxmlformats.org/presentationml/2006/main">
-  <p:cSld>
-    <p:spTree>
-      <p:nvGrpSpPr>
-        <p:cNvPr id="1" name=""/>
-        <p:cNvGrpSpPr/>
-        <p:nvPr/>
-      </p:nvGrpSpPr>
-      <p:grpSpPr>
-        <a:xfrm>
-          <a:off x="0" y="0"/>
-          <a:ext cx="0" cy="0"/>
-          <a:chOff x="0" y="0"/>
-          <a:chExt cx="0" cy="0"/>
-        </a:xfrm>
-      </p:grpSpPr>
-      <p:pic>
-        <p:nvPicPr>
-          <p:cNvPr id="5" name="그림 4"/>
-          <p:cNvPicPr>
-            <a:picLocks noChangeAspect="1"/>
-          </p:cNvPicPr>
-          <p:nvPr/>
-        </p:nvPicPr>
-        <p:blipFill rotWithShape="1">
-          <a:blip r:embed="rId2">
-            <a:extLst>
-              <a:ext uri="{28A0092B-C50C-407E-A947-70E740481C1C}">
-                <a14:useLocalDpi xmlns:a14="http://schemas.microsoft.com/office/drawing/2010/main" val="0"/>
-              </a:ext>
-            </a:extLst>
-          </a:blip>
-          <a:srcRect l="-134" b="29877"/>
-          <a:stretch/>
-        </p:blipFill>
-        <p:spPr>
-          <a:xfrm>
-            <a:off x="363255" y="227863"/>
-            <a:ext cx="7478038" cy="1600938"/>
-          </a:xfrm>
-          <a:prstGeom prst="rect">
-            <a:avLst/>
-          </a:prstGeom>
-        </p:spPr>
-      </p:pic>
-      <p:pic>
-        <p:nvPicPr>
-          <p:cNvPr id="6" name="그림 5"/>
-          <p:cNvPicPr>
-            <a:picLocks noChangeAspect="1"/>
-          </p:cNvPicPr>
-          <p:nvPr/>
-        </p:nvPicPr>
-        <p:blipFill>
-          <a:blip r:embed="rId3">
-            <a:extLst>
-              <a:ext uri="{28A0092B-C50C-407E-A947-70E740481C1C}">
-                <a14:useLocalDpi xmlns:a14="http://schemas.microsoft.com/office/drawing/2010/main" val="0"/>
-              </a:ext>
-            </a:extLst>
-          </a:blip>
-          <a:stretch>
-            <a:fillRect/>
-          </a:stretch>
-        </p:blipFill>
-        <p:spPr>
-          <a:xfrm>
-            <a:off x="363254" y="1951109"/>
-            <a:ext cx="6595642" cy="341154"/>
-          </a:xfrm>
-          <a:prstGeom prst="rect">
-            <a:avLst/>
-          </a:prstGeom>
-        </p:spPr>
-      </p:pic>
-    </p:spTree>
-    <p:extLst>
-      <p:ext uri="{BB962C8B-B14F-4D97-AF65-F5344CB8AC3E}">
-        <p14:creationId xmlns:p14="http://schemas.microsoft.com/office/powerpoint/2010/main" val="2757204701"/>
       </p:ext>
     </p:extLst>
   </p:cSld>
